--- a/Sim-To-Real Transfer.pptx
+++ b/Sim-To-Real Transfer.pptx
@@ -5,7 +5,7 @@
     <p:sldMasterId id="2147483727" r:id="rId4"/>
   </p:sldMasterIdLst>
   <p:notesMasterIdLst>
-    <p:notesMasterId r:id="rId20"/>
+    <p:notesMasterId r:id="rId23"/>
   </p:notesMasterIdLst>
   <p:sldIdLst>
     <p:sldId id="262" r:id="rId5"/>
@@ -19,15 +19,18 @@
     <p:sldId id="351" r:id="rId13"/>
     <p:sldId id="352" r:id="rId14"/>
     <p:sldId id="353" r:id="rId15"/>
-    <p:sldId id="342" r:id="rId16"/>
-    <p:sldId id="340" r:id="rId17"/>
-    <p:sldId id="343" r:id="rId18"/>
-    <p:sldId id="341" r:id="rId19"/>
+    <p:sldId id="354" r:id="rId16"/>
+    <p:sldId id="355" r:id="rId17"/>
+    <p:sldId id="356" r:id="rId18"/>
+    <p:sldId id="342" r:id="rId19"/>
+    <p:sldId id="340" r:id="rId20"/>
+    <p:sldId id="343" r:id="rId21"/>
+    <p:sldId id="341" r:id="rId22"/>
   </p:sldIdLst>
   <p:sldSz cx="9906000" cy="6858000" type="A4"/>
   <p:notesSz cx="6797675" cy="9926638"/>
   <p:custDataLst>
-    <p:tags r:id="rId21"/>
+    <p:tags r:id="rId24"/>
   </p:custDataLst>
   <p:defaultTextStyle>
     <a:defPPr>
@@ -245,7 +248,7 @@
           <a:p>
             <a:fld id="{2C6949D0-A891-461E-B94C-70BB503142AE}" type="datetimeFigureOut">
               <a:rPr lang="de-DE" smtClean="0"/>
-              <a:t>27.05.2025</a:t>
+              <a:t>28.05.2025</a:t>
             </a:fld>
             <a:endParaRPr lang="de-DE" dirty="0"/>
           </a:p>
@@ -656,6 +659,90 @@
 </p:notes>
 </file>
 
+<file path=ppt/notesSlides/notesSlide10.xml><?xml version="1.0" encoding="utf-8"?>
+<p:notes xmlns:a="http://schemas.openxmlformats.org/drawingml/2006/main" xmlns:r="http://schemas.openxmlformats.org/officeDocument/2006/relationships" xmlns:p="http://schemas.openxmlformats.org/presentationml/2006/main">
+  <p:cSld>
+    <p:spTree>
+      <p:nvGrpSpPr>
+        <p:cNvPr id="1" name=""/>
+        <p:cNvGrpSpPr/>
+        <p:nvPr/>
+      </p:nvGrpSpPr>
+      <p:grpSpPr>
+        <a:xfrm>
+          <a:off x="0" y="0"/>
+          <a:ext cx="0" cy="0"/>
+          <a:chOff x="0" y="0"/>
+          <a:chExt cx="0" cy="0"/>
+        </a:xfrm>
+      </p:grpSpPr>
+      <p:sp>
+        <p:nvSpPr>
+          <p:cNvPr id="2" name="Folienbildplatzhalter 1"/>
+          <p:cNvSpPr>
+            <a:spLocks noGrp="1" noRot="1" noChangeAspect="1"/>
+          </p:cNvSpPr>
+          <p:nvPr>
+            <p:ph type="sldImg"/>
+          </p:nvPr>
+        </p:nvSpPr>
+        <p:spPr/>
+      </p:sp>
+      <p:sp>
+        <p:nvSpPr>
+          <p:cNvPr id="3" name="Notizenplatzhalter 2"/>
+          <p:cNvSpPr>
+            <a:spLocks noGrp="1"/>
+          </p:cNvSpPr>
+          <p:nvPr>
+            <p:ph type="body" idx="1"/>
+          </p:nvPr>
+        </p:nvSpPr>
+        <p:spPr/>
+        <p:txBody>
+          <a:bodyPr/>
+          <a:lstStyle/>
+          <a:p>
+            <a:endParaRPr lang="en-US" dirty="0"/>
+          </a:p>
+        </p:txBody>
+      </p:sp>
+      <p:sp>
+        <p:nvSpPr>
+          <p:cNvPr id="4" name="Foliennummernplatzhalter 3"/>
+          <p:cNvSpPr>
+            <a:spLocks noGrp="1"/>
+          </p:cNvSpPr>
+          <p:nvPr>
+            <p:ph type="sldNum" sz="quarter" idx="5"/>
+          </p:nvPr>
+        </p:nvSpPr>
+        <p:spPr/>
+        <p:txBody>
+          <a:bodyPr/>
+          <a:lstStyle/>
+          <a:p>
+            <a:fld id="{7ED52D87-CCCB-4897-8754-39643E4DFE54}" type="slidenum">
+              <a:rPr lang="de-DE" smtClean="0"/>
+              <a:t>14</a:t>
+            </a:fld>
+            <a:endParaRPr lang="de-DE" dirty="0"/>
+          </a:p>
+        </p:txBody>
+      </p:sp>
+    </p:spTree>
+    <p:extLst>
+      <p:ext uri="{BB962C8B-B14F-4D97-AF65-F5344CB8AC3E}">
+        <p14:creationId xmlns:p14="http://schemas.microsoft.com/office/powerpoint/2010/main" val="2116928887"/>
+      </p:ext>
+    </p:extLst>
+  </p:cSld>
+  <p:clrMapOvr>
+    <a:masterClrMapping/>
+  </p:clrMapOvr>
+</p:notes>
+</file>
+
 <file path=ppt/notesSlides/notesSlide2.xml><?xml version="1.0" encoding="utf-8"?>
 <p:notes xmlns:a="http://schemas.openxmlformats.org/drawingml/2006/main" xmlns:r="http://schemas.openxmlformats.org/officeDocument/2006/relationships" xmlns:p="http://schemas.openxmlformats.org/presentationml/2006/main">
   <p:cSld>
@@ -685,8 +772,8 @@
         </p:nvSpPr>
         <p:spPr/>
       </p:sp>
-      <mc:AlternateContent xmlns:mc="http://schemas.openxmlformats.org/markup-compatibility/2006">
-        <mc:Choice xmlns:a14="http://schemas.microsoft.com/office/drawing/2010/main" Requires="a14">
+      <mc:AlternateContent xmlns:mc="http://schemas.openxmlformats.org/markup-compatibility/2006" xmlns:a14="http://schemas.microsoft.com/office/drawing/2010/main">
+        <mc:Choice Requires="a14">
           <p:sp>
             <p:nvSpPr>
               <p:cNvPr id="3" name="Notizenplatzhalter 2"/>
@@ -1262,7 +1349,7 @@
                     </m:sSubSup>
                     <m:r>
                       <a:rPr lang="en-US" sz="1800" b="0" i="0" u="none" strike="noStrike" baseline="0" smtClean="0">
-                        <a:latin typeface="txmiaX"/>
+                        <a:latin typeface="Cambria Math" panose="02040503050406030204" pitchFamily="18" charset="0"/>
                         <a:ea typeface="Cambria Math" panose="02040503050406030204" pitchFamily="18" charset="0"/>
                       </a:rPr>
                       <m:t>≠</m:t>
@@ -1270,7 +1357,7 @@
                     <m:sSubSup>
                       <m:sSubSupPr>
                         <m:ctrlPr>
-                          <a:rPr lang="de-DE" sz="1800" b="0" i="0" u="none" strike="noStrike" baseline="0" smtClean="0">
+                          <a:rPr lang="de-DE" sz="1800" b="0" i="1" u="none" strike="noStrike" baseline="0" smtClean="0">
                             <a:latin typeface="Cambria Math" panose="02040503050406030204" pitchFamily="18" charset="0"/>
                             <a:ea typeface="Cambria Math" panose="02040503050406030204" pitchFamily="18" charset="0"/>
                           </a:rPr>
@@ -2468,7 +2555,7 @@
             </p:txBody>
           </p:sp>
         </mc:Choice>
-        <mc:Fallback>
+        <mc:Fallback xmlns="">
           <p:sp>
             <p:nvSpPr>
               <p:cNvPr id="3" name="Notizenplatzhalter 2"/>
@@ -4817,7 +4904,105 @@
           <a:bodyPr/>
           <a:lstStyle/>
           <a:p>
+            <a:r>
+              <a:rPr lang="en-US" dirty="0"/>
+              <a:t>Another example: </a:t>
+            </a:r>
+            <a:r>
+              <a:rPr lang="en-US" dirty="0" err="1"/>
+              <a:t>Minitaur</a:t>
+            </a:r>
+            <a:r>
+              <a:rPr lang="en-US" dirty="0"/>
+              <a:t> robot, is a robot for legged locomotion</a:t>
+            </a:r>
+          </a:p>
+          <a:p>
             <a:endParaRPr lang="en-US" dirty="0"/>
+          </a:p>
+          <a:p>
+            <a:r>
+              <a:rPr lang="en-US" dirty="0"/>
+              <a:t>We’ve a real-time simulation and latency in the real</a:t>
+            </a:r>
+          </a:p>
+          <a:p>
+            <a:r>
+              <a:rPr lang="en-US" dirty="0"/>
+              <a:t>We track the last episodes and model the latency, but this isn’t completely safe (show small outlier in the graph)</a:t>
+            </a:r>
+          </a:p>
+          <a:p>
+            <a:r>
+              <a:rPr lang="en-US" dirty="0"/>
+              <a:t>So, additional we use randomization, we add a random value in the range on the right table. </a:t>
+            </a:r>
+          </a:p>
+          <a:p>
+            <a:r>
+              <a:rPr lang="en-US" dirty="0"/>
+              <a:t>Like Observation-Level-Transfer, but with action-related parameters</a:t>
+            </a:r>
+          </a:p>
+          <a:p>
+            <a:endParaRPr lang="en-US" dirty="0"/>
+          </a:p>
+          <a:p>
+            <a:r>
+              <a:rPr lang="en-US" dirty="0"/>
+              <a:t>Fade in: The blue parameters are directly action-related, the red are observation-related, the other influence the action indirect</a:t>
+            </a:r>
+          </a:p>
+          <a:p>
+            <a:endParaRPr lang="en-US" dirty="0"/>
+          </a:p>
+          <a:p>
+            <a:r>
+              <a:rPr lang="en-US" dirty="0"/>
+              <a:t>Explanation:</a:t>
+            </a:r>
+            <a:br>
+              <a:rPr lang="en-US" dirty="0"/>
+            </a:br>
+            <a:r>
+              <a:rPr lang="en-US" dirty="0"/>
+              <a:t>mass: </a:t>
+            </a:r>
+            <a:r>
+              <a:rPr lang="en-US" dirty="0" err="1"/>
+              <a:t>Trägheit</a:t>
+            </a:r>
+            <a:r>
+              <a:rPr lang="en-US" dirty="0"/>
+              <a:t>, influenced moving results after an action</a:t>
+            </a:r>
+          </a:p>
+          <a:p>
+            <a:r>
+              <a:rPr lang="en-US" dirty="0"/>
+              <a:t>inertia: How hard a body changes its rotation - affects the action result.</a:t>
+            </a:r>
+          </a:p>
+          <a:p>
+            <a:r>
+              <a:rPr lang="en-US" dirty="0"/>
+              <a:t>Contact friction: Interacts with soil reaction after action → slippage etc.</a:t>
+            </a:r>
+          </a:p>
+          <a:p>
+            <a:r>
+              <a:rPr lang="en-US" dirty="0"/>
+              <a:t>Battery voltage: Influence engine power</a:t>
+            </a:r>
+          </a:p>
+          <a:p>
+            <a:endParaRPr lang="en-US" dirty="0"/>
+          </a:p>
+          <a:p>
+            <a:r>
+              <a:rPr lang="en-US" dirty="0"/>
+              <a:t>IMU: the engine which is reading the sensor data</a:t>
+            </a:r>
           </a:p>
         </p:txBody>
       </p:sp>
@@ -4838,7 +5023,7 @@
           <a:p>
             <a:fld id="{7ED52D87-CCCB-4897-8754-39643E4DFE54}" type="slidenum">
               <a:rPr lang="de-DE" smtClean="0"/>
-              <a:t>11</a:t>
+              <a:t>12</a:t>
             </a:fld>
             <a:endParaRPr lang="de-DE" dirty="0"/>
           </a:p>
@@ -4847,7 +5032,7 @@
     </p:spTree>
     <p:extLst>
       <p:ext uri="{BB962C8B-B14F-4D97-AF65-F5344CB8AC3E}">
-        <p14:creationId xmlns:p14="http://schemas.microsoft.com/office/powerpoint/2010/main" val="2116928887"/>
+        <p14:creationId xmlns:p14="http://schemas.microsoft.com/office/powerpoint/2010/main" val="1424232693"/>
       </p:ext>
     </p:extLst>
   </p:cSld>
@@ -8361,8 +8546,8 @@
           </a:prstGeom>
         </p:spPr>
       </p:pic>
-      <mc:AlternateContent xmlns:mc="http://schemas.openxmlformats.org/markup-compatibility/2006">
-        <mc:Choice xmlns:a14="http://schemas.microsoft.com/office/drawing/2010/main" Requires="a14">
+      <mc:AlternateContent xmlns:mc="http://schemas.openxmlformats.org/markup-compatibility/2006" xmlns:a14="http://schemas.microsoft.com/office/drawing/2010/main">
+        <mc:Choice Requires="a14">
           <p:sp>
             <p:nvSpPr>
               <p:cNvPr id="11" name="Textfeld 10">
@@ -8391,6 +8576,7 @@
               </a:bodyPr>
               <a:lstStyle/>
               <a:p>
+                <a:pPr/>
                 <a14:m>
                   <m:oMathPara xmlns:m="http://schemas.openxmlformats.org/officeDocument/2006/math">
                     <m:oMathParaPr>
@@ -8561,6 +8747,7 @@
                 </a:endParaRPr>
               </a:p>
               <a:p>
+                <a:pPr/>
                 <a14:m>
                   <m:oMathPara xmlns:m="http://schemas.openxmlformats.org/officeDocument/2006/math">
                     <m:oMathParaPr>
@@ -8687,6 +8874,7 @@
                 </a:endParaRPr>
               </a:p>
               <a:p>
+                <a:pPr/>
                 <a14:m>
                   <m:oMathPara xmlns:m="http://schemas.openxmlformats.org/officeDocument/2006/math">
                     <m:oMathParaPr>
@@ -8832,6 +9020,7 @@
                 </a:endParaRPr>
               </a:p>
               <a:p>
+                <a:pPr/>
                 <a14:m>
                   <m:oMathPara xmlns:m="http://schemas.openxmlformats.org/officeDocument/2006/math">
                     <m:oMathParaPr>
@@ -8996,6 +9185,7 @@
                 </a:endParaRPr>
               </a:p>
               <a:p>
+                <a:pPr/>
                 <a14:m>
                   <m:oMathPara xmlns:m="http://schemas.openxmlformats.org/officeDocument/2006/math">
                     <m:oMathParaPr>
@@ -9122,6 +9312,7 @@
                 </a:endParaRPr>
               </a:p>
               <a:p>
+                <a:pPr/>
                 <a14:m>
                   <m:oMathPara xmlns:m="http://schemas.openxmlformats.org/officeDocument/2006/math">
                     <m:oMathParaPr>
@@ -9269,6 +9460,7 @@
                 </a:endParaRPr>
               </a:p>
               <a:p>
+                <a:pPr/>
                 <a14:m>
                   <m:oMathPara xmlns:m="http://schemas.openxmlformats.org/officeDocument/2006/math">
                     <m:oMathParaPr>
@@ -9441,6 +9633,7 @@
                 </a:endParaRPr>
               </a:p>
               <a:p>
+                <a:pPr/>
                 <a14:m>
                   <m:oMathPara xmlns:m="http://schemas.openxmlformats.org/officeDocument/2006/math">
                     <m:oMathParaPr>
@@ -9837,7 +10030,7 @@
             </p:txBody>
           </p:sp>
         </mc:Choice>
-        <mc:Fallback>
+        <mc:Fallback xmlns="">
           <p:sp>
             <p:nvSpPr>
               <p:cNvPr id="11" name="Textfeld 10">
@@ -10139,6 +10332,948 @@
       </p:grpSpPr>
       <p:sp>
         <p:nvSpPr>
+          <p:cNvPr id="2" name="Titel 1">
+            <a:extLst>
+              <a:ext uri="{FF2B5EF4-FFF2-40B4-BE49-F238E27FC236}">
+                <a16:creationId xmlns:a16="http://schemas.microsoft.com/office/drawing/2014/main" id="{E5418E78-2FFF-B808-79EE-BD8B6B64E564}"/>
+              </a:ext>
+            </a:extLst>
+          </p:cNvPr>
+          <p:cNvSpPr>
+            <a:spLocks noGrp="1"/>
+          </p:cNvSpPr>
+          <p:nvPr>
+            <p:ph type="title"/>
+          </p:nvPr>
+        </p:nvSpPr>
+        <p:spPr/>
+        <p:txBody>
+          <a:bodyPr/>
+          <a:lstStyle/>
+          <a:p>
+            <a:r>
+              <a:rPr lang="en-US" dirty="0"/>
+              <a:t>Action-Level Transfer</a:t>
+            </a:r>
+          </a:p>
+        </p:txBody>
+      </p:sp>
+      <p:sp>
+        <p:nvSpPr>
+          <p:cNvPr id="4" name="Fußzeilenplatzhalter 3">
+            <a:extLst>
+              <a:ext uri="{FF2B5EF4-FFF2-40B4-BE49-F238E27FC236}">
+                <a16:creationId xmlns:a16="http://schemas.microsoft.com/office/drawing/2014/main" id="{A715D517-72D7-8016-2AD7-96785FB9885B}"/>
+              </a:ext>
+            </a:extLst>
+          </p:cNvPr>
+          <p:cNvSpPr>
+            <a:spLocks noGrp="1"/>
+          </p:cNvSpPr>
+          <p:nvPr>
+            <p:ph type="ftr" sz="quarter" idx="11"/>
+          </p:nvPr>
+        </p:nvSpPr>
+        <p:spPr/>
+        <p:txBody>
+          <a:bodyPr/>
+          <a:lstStyle/>
+          <a:p>
+            <a:r>
+              <a:rPr lang="de-DE"/>
+              <a:t>Autor</a:t>
+            </a:r>
+            <a:endParaRPr lang="de-DE" dirty="0"/>
+          </a:p>
+        </p:txBody>
+      </p:sp>
+      <p:sp>
+        <p:nvSpPr>
+          <p:cNvPr id="5" name="Foliennummernplatzhalter 4">
+            <a:extLst>
+              <a:ext uri="{FF2B5EF4-FFF2-40B4-BE49-F238E27FC236}">
+                <a16:creationId xmlns:a16="http://schemas.microsoft.com/office/drawing/2014/main" id="{6A0D25D8-F09D-1405-37E9-BDB30D01B12B}"/>
+              </a:ext>
+            </a:extLst>
+          </p:cNvPr>
+          <p:cNvSpPr>
+            <a:spLocks noGrp="1"/>
+          </p:cNvSpPr>
+          <p:nvPr>
+            <p:ph type="sldNum" sz="quarter" idx="12"/>
+          </p:nvPr>
+        </p:nvSpPr>
+        <p:spPr/>
+        <p:txBody>
+          <a:bodyPr/>
+          <a:lstStyle/>
+          <a:p>
+            <a:fld id="{1B101894-CD26-4755-B2AE-6750C1357069}" type="slidenum">
+              <a:rPr lang="de-DE" smtClean="0"/>
+              <a:t>11</a:t>
+            </a:fld>
+            <a:endParaRPr lang="de-DE" dirty="0"/>
+          </a:p>
+        </p:txBody>
+      </p:sp>
+      <p:sp>
+        <p:nvSpPr>
+          <p:cNvPr id="6" name="Datumsplatzhalter 5">
+            <a:extLst>
+              <a:ext uri="{FF2B5EF4-FFF2-40B4-BE49-F238E27FC236}">
+                <a16:creationId xmlns:a16="http://schemas.microsoft.com/office/drawing/2014/main" id="{6780A24D-8B96-9902-22DD-27DB2667EEE4}"/>
+              </a:ext>
+            </a:extLst>
+          </p:cNvPr>
+          <p:cNvSpPr>
+            <a:spLocks noGrp="1"/>
+          </p:cNvSpPr>
+          <p:nvPr>
+            <p:ph type="dt" sz="half" idx="2"/>
+          </p:nvPr>
+        </p:nvSpPr>
+        <p:spPr/>
+        <p:txBody>
+          <a:bodyPr/>
+          <a:lstStyle/>
+          <a:p>
+            <a:r>
+              <a:rPr lang="de-DE"/>
+              <a:t>Datum</a:t>
+            </a:r>
+            <a:endParaRPr lang="de-DE" dirty="0"/>
+          </a:p>
+        </p:txBody>
+      </p:sp>
+      <p:pic>
+        <p:nvPicPr>
+          <p:cNvPr id="8" name="Grafik 7">
+            <a:extLst>
+              <a:ext uri="{FF2B5EF4-FFF2-40B4-BE49-F238E27FC236}">
+                <a16:creationId xmlns:a16="http://schemas.microsoft.com/office/drawing/2014/main" id="{88513A33-48B1-E54B-DC21-A01DA90E5AE4}"/>
+              </a:ext>
+            </a:extLst>
+          </p:cNvPr>
+          <p:cNvPicPr>
+            <a:picLocks noChangeAspect="1"/>
+          </p:cNvPicPr>
+          <p:nvPr/>
+        </p:nvPicPr>
+        <p:blipFill>
+          <a:blip r:embed="rId2"/>
+          <a:stretch>
+            <a:fillRect/>
+          </a:stretch>
+        </p:blipFill>
+        <p:spPr>
+          <a:xfrm>
+            <a:off x="2698562" y="1038609"/>
+            <a:ext cx="4508877" cy="5370357"/>
+          </a:xfrm>
+          <a:prstGeom prst="rect">
+            <a:avLst/>
+          </a:prstGeom>
+        </p:spPr>
+      </p:pic>
+    </p:spTree>
+    <p:extLst>
+      <p:ext uri="{BB962C8B-B14F-4D97-AF65-F5344CB8AC3E}">
+        <p14:creationId xmlns:p14="http://schemas.microsoft.com/office/powerpoint/2010/main" val="1954487435"/>
+      </p:ext>
+    </p:extLst>
+  </p:cSld>
+  <p:clrMapOvr>
+    <a:masterClrMapping/>
+  </p:clrMapOvr>
+</p:sld>
+</file>
+
+<file path=ppt/slides/slide13.xml><?xml version="1.0" encoding="utf-8"?>
+<p:sld xmlns:a="http://schemas.openxmlformats.org/drawingml/2006/main" xmlns:r="http://schemas.openxmlformats.org/officeDocument/2006/relationships" xmlns:p="http://schemas.openxmlformats.org/presentationml/2006/main">
+  <p:cSld>
+    <p:spTree>
+      <p:nvGrpSpPr>
+        <p:cNvPr id="1" name="">
+          <a:extLst>
+            <a:ext uri="{FF2B5EF4-FFF2-40B4-BE49-F238E27FC236}">
+              <a16:creationId xmlns:a16="http://schemas.microsoft.com/office/drawing/2014/main" id="{9618E02D-AB28-C161-E155-BA920E57F415}"/>
+            </a:ext>
+          </a:extLst>
+        </p:cNvPr>
+        <p:cNvGrpSpPr/>
+        <p:nvPr/>
+      </p:nvGrpSpPr>
+      <p:grpSpPr>
+        <a:xfrm>
+          <a:off x="0" y="0"/>
+          <a:ext cx="0" cy="0"/>
+          <a:chOff x="0" y="0"/>
+          <a:chExt cx="0" cy="0"/>
+        </a:xfrm>
+      </p:grpSpPr>
+      <p:sp>
+        <p:nvSpPr>
+          <p:cNvPr id="2" name="Titel 1">
+            <a:extLst>
+              <a:ext uri="{FF2B5EF4-FFF2-40B4-BE49-F238E27FC236}">
+                <a16:creationId xmlns:a16="http://schemas.microsoft.com/office/drawing/2014/main" id="{BCCE08B3-1464-A528-5F93-101D73648FF5}"/>
+              </a:ext>
+            </a:extLst>
+          </p:cNvPr>
+          <p:cNvSpPr>
+            <a:spLocks noGrp="1"/>
+          </p:cNvSpPr>
+          <p:nvPr>
+            <p:ph type="title"/>
+          </p:nvPr>
+        </p:nvSpPr>
+        <p:spPr>
+          <a:xfrm>
+            <a:off x="277199" y="594000"/>
+            <a:ext cx="9334800" cy="716400"/>
+          </a:xfrm>
+        </p:spPr>
+        <p:txBody>
+          <a:bodyPr/>
+          <a:lstStyle/>
+          <a:p>
+            <a:r>
+              <a:rPr lang="en-US" dirty="0"/>
+              <a:t>Action-Level Transfer</a:t>
+            </a:r>
+          </a:p>
+        </p:txBody>
+      </p:sp>
+      <p:sp>
+        <p:nvSpPr>
+          <p:cNvPr id="4" name="Fußzeilenplatzhalter 3">
+            <a:extLst>
+              <a:ext uri="{FF2B5EF4-FFF2-40B4-BE49-F238E27FC236}">
+                <a16:creationId xmlns:a16="http://schemas.microsoft.com/office/drawing/2014/main" id="{BC48E380-E3C5-851D-D4D2-7880087047C2}"/>
+              </a:ext>
+            </a:extLst>
+          </p:cNvPr>
+          <p:cNvSpPr>
+            <a:spLocks noGrp="1"/>
+          </p:cNvSpPr>
+          <p:nvPr>
+            <p:ph type="ftr" sz="quarter" idx="11"/>
+          </p:nvPr>
+        </p:nvSpPr>
+        <p:spPr/>
+        <p:txBody>
+          <a:bodyPr/>
+          <a:lstStyle/>
+          <a:p>
+            <a:r>
+              <a:rPr lang="de-DE"/>
+              <a:t>Autor</a:t>
+            </a:r>
+            <a:endParaRPr lang="de-DE" dirty="0"/>
+          </a:p>
+        </p:txBody>
+      </p:sp>
+      <p:sp>
+        <p:nvSpPr>
+          <p:cNvPr id="5" name="Foliennummernplatzhalter 4">
+            <a:extLst>
+              <a:ext uri="{FF2B5EF4-FFF2-40B4-BE49-F238E27FC236}">
+                <a16:creationId xmlns:a16="http://schemas.microsoft.com/office/drawing/2014/main" id="{27B7F42C-7A51-4DE0-F4BA-A6979FFD5689}"/>
+              </a:ext>
+            </a:extLst>
+          </p:cNvPr>
+          <p:cNvSpPr>
+            <a:spLocks noGrp="1"/>
+          </p:cNvSpPr>
+          <p:nvPr>
+            <p:ph type="sldNum" sz="quarter" idx="12"/>
+          </p:nvPr>
+        </p:nvSpPr>
+        <p:spPr/>
+        <p:txBody>
+          <a:bodyPr/>
+          <a:lstStyle/>
+          <a:p>
+            <a:fld id="{1B101894-CD26-4755-B2AE-6750C1357069}" type="slidenum">
+              <a:rPr lang="de-DE" smtClean="0"/>
+              <a:t>12</a:t>
+            </a:fld>
+            <a:endParaRPr lang="de-DE" dirty="0"/>
+          </a:p>
+        </p:txBody>
+      </p:sp>
+      <p:sp>
+        <p:nvSpPr>
+          <p:cNvPr id="6" name="Datumsplatzhalter 5">
+            <a:extLst>
+              <a:ext uri="{FF2B5EF4-FFF2-40B4-BE49-F238E27FC236}">
+                <a16:creationId xmlns:a16="http://schemas.microsoft.com/office/drawing/2014/main" id="{E6FE8A71-2738-B9E4-22C5-33311B082F55}"/>
+              </a:ext>
+            </a:extLst>
+          </p:cNvPr>
+          <p:cNvSpPr>
+            <a:spLocks noGrp="1"/>
+          </p:cNvSpPr>
+          <p:nvPr>
+            <p:ph type="dt" sz="half" idx="2"/>
+          </p:nvPr>
+        </p:nvSpPr>
+        <p:spPr/>
+        <p:txBody>
+          <a:bodyPr/>
+          <a:lstStyle/>
+          <a:p>
+            <a:r>
+              <a:rPr lang="de-DE"/>
+              <a:t>Datum</a:t>
+            </a:r>
+            <a:endParaRPr lang="de-DE" dirty="0"/>
+          </a:p>
+        </p:txBody>
+      </p:sp>
+      <p:pic>
+        <p:nvPicPr>
+          <p:cNvPr id="7" name="Grafik 6">
+            <a:extLst>
+              <a:ext uri="{FF2B5EF4-FFF2-40B4-BE49-F238E27FC236}">
+                <a16:creationId xmlns:a16="http://schemas.microsoft.com/office/drawing/2014/main" id="{9085ED83-0B22-008A-8CDF-59AA4A310798}"/>
+              </a:ext>
+            </a:extLst>
+          </p:cNvPr>
+          <p:cNvPicPr>
+            <a:picLocks noChangeAspect="1"/>
+          </p:cNvPicPr>
+          <p:nvPr/>
+        </p:nvPicPr>
+        <p:blipFill>
+          <a:blip r:embed="rId3"/>
+          <a:stretch>
+            <a:fillRect/>
+          </a:stretch>
+        </p:blipFill>
+        <p:spPr>
+          <a:xfrm>
+            <a:off x="277199" y="3657078"/>
+            <a:ext cx="3960000" cy="2698832"/>
+          </a:xfrm>
+          <a:prstGeom prst="rect">
+            <a:avLst/>
+          </a:prstGeom>
+        </p:spPr>
+      </p:pic>
+      <p:pic>
+        <p:nvPicPr>
+          <p:cNvPr id="10" name="Grafik 9">
+            <a:extLst>
+              <a:ext uri="{FF2B5EF4-FFF2-40B4-BE49-F238E27FC236}">
+                <a16:creationId xmlns:a16="http://schemas.microsoft.com/office/drawing/2014/main" id="{9F47136D-8339-EB44-79CE-CB9FCE45F6E8}"/>
+              </a:ext>
+            </a:extLst>
+          </p:cNvPr>
+          <p:cNvPicPr>
+            <a:picLocks noChangeAspect="1"/>
+          </p:cNvPicPr>
+          <p:nvPr/>
+        </p:nvPicPr>
+        <p:blipFill>
+          <a:blip r:embed="rId4"/>
+          <a:stretch>
+            <a:fillRect/>
+          </a:stretch>
+        </p:blipFill>
+        <p:spPr>
+          <a:xfrm>
+            <a:off x="4969640" y="2181763"/>
+            <a:ext cx="4642360" cy="2743816"/>
+          </a:xfrm>
+          <a:prstGeom prst="rect">
+            <a:avLst/>
+          </a:prstGeom>
+        </p:spPr>
+      </p:pic>
+      <p:grpSp>
+        <p:nvGrpSpPr>
+          <p:cNvPr id="18" name="Gruppieren 17">
+            <a:extLst>
+              <a:ext uri="{FF2B5EF4-FFF2-40B4-BE49-F238E27FC236}">
+                <a16:creationId xmlns:a16="http://schemas.microsoft.com/office/drawing/2014/main" id="{41A06DA3-319E-5BC1-BE9D-D223EBE855EB}"/>
+              </a:ext>
+            </a:extLst>
+          </p:cNvPr>
+          <p:cNvGrpSpPr/>
+          <p:nvPr/>
+        </p:nvGrpSpPr>
+        <p:grpSpPr>
+          <a:xfrm>
+            <a:off x="4834903" y="2643050"/>
+            <a:ext cx="4911834" cy="2282529"/>
+            <a:chOff x="4834903" y="2643050"/>
+            <a:chExt cx="4911834" cy="2282529"/>
+          </a:xfrm>
+        </p:grpSpPr>
+        <p:sp>
+          <p:nvSpPr>
+            <p:cNvPr id="11" name="Rechteck 10">
+              <a:extLst>
+                <a:ext uri="{FF2B5EF4-FFF2-40B4-BE49-F238E27FC236}">
+                  <a16:creationId xmlns:a16="http://schemas.microsoft.com/office/drawing/2014/main" id="{890566A6-C714-16D3-E480-92AA41BEA653}"/>
+                </a:ext>
+              </a:extLst>
+            </p:cNvPr>
+            <p:cNvSpPr/>
+            <p:nvPr/>
+          </p:nvSpPr>
+          <p:spPr>
+            <a:xfrm>
+              <a:off x="4834903" y="3137916"/>
+              <a:ext cx="4911834" cy="806280"/>
+            </a:xfrm>
+            <a:prstGeom prst="rect">
+              <a:avLst/>
+            </a:prstGeom>
+            <a:noFill/>
+            <a:ln w="28575">
+              <a:solidFill>
+                <a:schemeClr val="accent1"/>
+              </a:solidFill>
+            </a:ln>
+          </p:spPr>
+          <p:style>
+            <a:lnRef idx="1">
+              <a:schemeClr val="accent1"/>
+            </a:lnRef>
+            <a:fillRef idx="0">
+              <a:schemeClr val="accent1"/>
+            </a:fillRef>
+            <a:effectRef idx="0">
+              <a:schemeClr val="accent1"/>
+            </a:effectRef>
+            <a:fontRef idx="minor">
+              <a:schemeClr val="tx1"/>
+            </a:fontRef>
+          </p:style>
+          <p:txBody>
+            <a:bodyPr rtlCol="0" anchor="ctr">
+              <a:noAutofit/>
+            </a:bodyPr>
+            <a:lstStyle/>
+            <a:p>
+              <a:pPr algn="ctr"/>
+              <a:endParaRPr lang="en-US" sz="1200" dirty="0">
+                <a:latin typeface="+mn-lt"/>
+              </a:endParaRPr>
+            </a:p>
+          </p:txBody>
+        </p:sp>
+        <p:sp>
+          <p:nvSpPr>
+            <p:cNvPr id="12" name="Rechteck 11">
+              <a:extLst>
+                <a:ext uri="{FF2B5EF4-FFF2-40B4-BE49-F238E27FC236}">
+                  <a16:creationId xmlns:a16="http://schemas.microsoft.com/office/drawing/2014/main" id="{871CCFA1-0B5E-D13F-AD62-8B8D9EAA9ADB}"/>
+                </a:ext>
+              </a:extLst>
+            </p:cNvPr>
+            <p:cNvSpPr/>
+            <p:nvPr/>
+          </p:nvSpPr>
+          <p:spPr>
+            <a:xfrm>
+              <a:off x="4834903" y="2643050"/>
+              <a:ext cx="4911834" cy="362415"/>
+            </a:xfrm>
+            <a:prstGeom prst="rect">
+              <a:avLst/>
+            </a:prstGeom>
+            <a:noFill/>
+            <a:ln w="28575">
+              <a:solidFill>
+                <a:schemeClr val="accent1"/>
+              </a:solidFill>
+            </a:ln>
+          </p:spPr>
+          <p:style>
+            <a:lnRef idx="1">
+              <a:schemeClr val="accent1"/>
+            </a:lnRef>
+            <a:fillRef idx="0">
+              <a:schemeClr val="accent1"/>
+            </a:fillRef>
+            <a:effectRef idx="0">
+              <a:schemeClr val="accent1"/>
+            </a:effectRef>
+            <a:fontRef idx="minor">
+              <a:schemeClr val="tx1"/>
+            </a:fontRef>
+          </p:style>
+          <p:txBody>
+            <a:bodyPr rtlCol="0" anchor="ctr">
+              <a:noAutofit/>
+            </a:bodyPr>
+            <a:lstStyle/>
+            <a:p>
+              <a:pPr algn="ctr"/>
+              <a:endParaRPr lang="en-US" sz="1200" dirty="0">
+                <a:latin typeface="+mn-lt"/>
+              </a:endParaRPr>
+            </a:p>
+          </p:txBody>
+        </p:sp>
+        <p:sp>
+          <p:nvSpPr>
+            <p:cNvPr id="14" name="Rechteck 13">
+              <a:extLst>
+                <a:ext uri="{FF2B5EF4-FFF2-40B4-BE49-F238E27FC236}">
+                  <a16:creationId xmlns:a16="http://schemas.microsoft.com/office/drawing/2014/main" id="{56BC3E1B-C2AC-E1EF-CDAC-487ADAA94D40}"/>
+                </a:ext>
+              </a:extLst>
+            </p:cNvPr>
+            <p:cNvSpPr/>
+            <p:nvPr/>
+          </p:nvSpPr>
+          <p:spPr>
+            <a:xfrm>
+              <a:off x="4834903" y="4328154"/>
+              <a:ext cx="4911834" cy="597425"/>
+            </a:xfrm>
+            <a:prstGeom prst="rect">
+              <a:avLst/>
+            </a:prstGeom>
+            <a:noFill/>
+            <a:ln w="28575">
+              <a:solidFill>
+                <a:schemeClr val="bg2"/>
+              </a:solidFill>
+            </a:ln>
+          </p:spPr>
+          <p:style>
+            <a:lnRef idx="1">
+              <a:schemeClr val="accent1"/>
+            </a:lnRef>
+            <a:fillRef idx="0">
+              <a:schemeClr val="accent1"/>
+            </a:fillRef>
+            <a:effectRef idx="0">
+              <a:schemeClr val="accent1"/>
+            </a:effectRef>
+            <a:fontRef idx="minor">
+              <a:schemeClr val="tx1"/>
+            </a:fontRef>
+          </p:style>
+          <p:txBody>
+            <a:bodyPr rtlCol="0" anchor="ctr">
+              <a:noAutofit/>
+            </a:bodyPr>
+            <a:lstStyle/>
+            <a:p>
+              <a:pPr algn="ctr"/>
+              <a:endParaRPr lang="en-US" sz="1200" dirty="0">
+                <a:latin typeface="+mn-lt"/>
+              </a:endParaRPr>
+            </a:p>
+          </p:txBody>
+        </p:sp>
+      </p:grpSp>
+      <p:pic>
+        <p:nvPicPr>
+          <p:cNvPr id="16" name="Grafik 15">
+            <a:extLst>
+              <a:ext uri="{FF2B5EF4-FFF2-40B4-BE49-F238E27FC236}">
+                <a16:creationId xmlns:a16="http://schemas.microsoft.com/office/drawing/2014/main" id="{E3B37695-6D00-5B55-9C86-C4F0F0D12DA9}"/>
+              </a:ext>
+            </a:extLst>
+          </p:cNvPr>
+          <p:cNvPicPr>
+            <a:picLocks noChangeAspect="1"/>
+          </p:cNvPicPr>
+          <p:nvPr/>
+        </p:nvPicPr>
+        <p:blipFill>
+          <a:blip r:embed="rId5"/>
+          <a:stretch>
+            <a:fillRect/>
+          </a:stretch>
+        </p:blipFill>
+        <p:spPr>
+          <a:xfrm>
+            <a:off x="277199" y="1140264"/>
+            <a:ext cx="3960000" cy="2310000"/>
+          </a:xfrm>
+          <a:prstGeom prst="rect">
+            <a:avLst/>
+          </a:prstGeom>
+        </p:spPr>
+      </p:pic>
+      <p:sp>
+        <p:nvSpPr>
+          <p:cNvPr id="19" name="Rectangle 2">
+            <a:extLst>
+              <a:ext uri="{FF2B5EF4-FFF2-40B4-BE49-F238E27FC236}">
+                <a16:creationId xmlns:a16="http://schemas.microsoft.com/office/drawing/2014/main" id="{8146EF81-75CB-5720-DF50-654E018864EE}"/>
+              </a:ext>
+            </a:extLst>
+          </p:cNvPr>
+          <p:cNvSpPr>
+            <a:spLocks noChangeArrowheads="1"/>
+          </p:cNvSpPr>
+          <p:nvPr/>
+        </p:nvSpPr>
+        <p:spPr bwMode="gray">
+          <a:xfrm>
+            <a:off x="6528820" y="1121379"/>
+            <a:ext cx="1524000" cy="762000"/>
+          </a:xfrm>
+          <a:prstGeom prst="rect">
+            <a:avLst/>
+          </a:prstGeom>
+          <a:solidFill>
+            <a:srgbClr val="002060"/>
+          </a:solidFill>
+          <a:ln w="9525" algn="ctr">
+            <a:solidFill>
+              <a:schemeClr val="bg1"/>
+            </a:solidFill>
+            <a:miter lim="800000"/>
+            <a:headEnd/>
+            <a:tailEnd/>
+          </a:ln>
+          <a:effectLst/>
+        </p:spPr>
+        <p:txBody>
+          <a:bodyPr lIns="0" tIns="0" rIns="0" bIns="0" anchor="ctr"/>
+          <a:lstStyle/>
+          <a:p>
+            <a:pPr algn="ctr" eaLnBrk="0" fontAlgn="base" hangingPunct="0">
+              <a:spcBef>
+                <a:spcPct val="0"/>
+              </a:spcBef>
+              <a:spcAft>
+                <a:spcPct val="0"/>
+              </a:spcAft>
+            </a:pPr>
+            <a:r>
+              <a:rPr lang="en-US" sz="1200" b="1" noProof="0" dirty="0">
+                <a:solidFill>
+                  <a:srgbClr val="FFFFFF"/>
+                </a:solidFill>
+              </a:rPr>
+              <a:t>TODO: evaluation</a:t>
+            </a:r>
+          </a:p>
+        </p:txBody>
+      </p:sp>
+      <p:sp>
+        <p:nvSpPr>
+          <p:cNvPr id="20" name="Textfeld 19">
+            <a:extLst>
+              <a:ext uri="{FF2B5EF4-FFF2-40B4-BE49-F238E27FC236}">
+                <a16:creationId xmlns:a16="http://schemas.microsoft.com/office/drawing/2014/main" id="{93DD2DC1-B2DA-5834-F4FD-F188D8D9FBAC}"/>
+              </a:ext>
+            </a:extLst>
+          </p:cNvPr>
+          <p:cNvSpPr txBox="1"/>
+          <p:nvPr/>
+        </p:nvSpPr>
+        <p:spPr>
+          <a:xfrm>
+            <a:off x="277200" y="6252009"/>
+            <a:ext cx="8409600" cy="217625"/>
+          </a:xfrm>
+          <a:prstGeom prst="rect">
+            <a:avLst/>
+          </a:prstGeom>
+          <a:noFill/>
+        </p:spPr>
+        <p:txBody>
+          <a:bodyPr wrap="square" lIns="90000" tIns="46800" rIns="90000" bIns="46800" rtlCol="0">
+            <a:spAutoFit/>
+          </a:bodyPr>
+          <a:lstStyle/>
+          <a:p>
+            <a:r>
+              <a:rPr lang="en-US" sz="800" dirty="0">
+                <a:latin typeface="+mj-lt"/>
+                <a:cs typeface="Arial" pitchFamily="34" charset="0"/>
+              </a:rPr>
+              <a:t>Modified from: Tan et al., “Sim-to-Real: Learning Agile Locomotion For Quadruped Robots”, </a:t>
+            </a:r>
+            <a:r>
+              <a:rPr lang="en-US" sz="800" dirty="0" err="1">
+                <a:latin typeface="+mj-lt"/>
+                <a:cs typeface="Arial" pitchFamily="34" charset="0"/>
+              </a:rPr>
+              <a:t>arXiv</a:t>
+            </a:r>
+            <a:r>
+              <a:rPr lang="en-US" sz="800" dirty="0">
+                <a:latin typeface="+mj-lt"/>
+                <a:cs typeface="Arial" pitchFamily="34" charset="0"/>
+              </a:rPr>
+              <a:t>: 1804.10332, 2018</a:t>
+            </a:r>
+          </a:p>
+        </p:txBody>
+      </p:sp>
+    </p:spTree>
+    <p:extLst>
+      <p:ext uri="{BB962C8B-B14F-4D97-AF65-F5344CB8AC3E}">
+        <p14:creationId xmlns:p14="http://schemas.microsoft.com/office/powerpoint/2010/main" val="41577587"/>
+      </p:ext>
+    </p:extLst>
+  </p:cSld>
+  <p:clrMapOvr>
+    <a:masterClrMapping/>
+  </p:clrMapOvr>
+  <p:timing>
+    <p:tnLst>
+      <p:par>
+        <p:cTn id="1" dur="indefinite" restart="never" nodeType="tmRoot">
+          <p:childTnLst>
+            <p:seq concurrent="1" nextAc="seek">
+              <p:cTn id="2" dur="indefinite" nodeType="mainSeq">
+                <p:childTnLst>
+                  <p:par>
+                    <p:cTn id="3" fill="hold">
+                      <p:stCondLst>
+                        <p:cond delay="indefinite"/>
+                      </p:stCondLst>
+                      <p:childTnLst>
+                        <p:par>
+                          <p:cTn id="4" fill="hold">
+                            <p:stCondLst>
+                              <p:cond delay="0"/>
+                            </p:stCondLst>
+                            <p:childTnLst>
+                              <p:par>
+                                <p:cTn id="5" presetID="10" presetClass="entr" presetSubtype="0" fill="hold" nodeType="clickEffect">
+                                  <p:stCondLst>
+                                    <p:cond delay="0"/>
+                                  </p:stCondLst>
+                                  <p:childTnLst>
+                                    <p:set>
+                                      <p:cBhvr>
+                                        <p:cTn id="6" dur="1" fill="hold">
+                                          <p:stCondLst>
+                                            <p:cond delay="0"/>
+                                          </p:stCondLst>
+                                        </p:cTn>
+                                        <p:tgtEl>
+                                          <p:spTgt spid="18"/>
+                                        </p:tgtEl>
+                                        <p:attrNameLst>
+                                          <p:attrName>style.visibility</p:attrName>
+                                        </p:attrNameLst>
+                                      </p:cBhvr>
+                                      <p:to>
+                                        <p:strVal val="visible"/>
+                                      </p:to>
+                                    </p:set>
+                                    <p:animEffect transition="in" filter="fade">
+                                      <p:cBhvr>
+                                        <p:cTn id="7" dur="500"/>
+                                        <p:tgtEl>
+                                          <p:spTgt spid="18"/>
+                                        </p:tgtEl>
+                                      </p:cBhvr>
+                                    </p:animEffect>
+                                  </p:childTnLst>
+                                </p:cTn>
+                              </p:par>
+                            </p:childTnLst>
+                          </p:cTn>
+                        </p:par>
+                      </p:childTnLst>
+                    </p:cTn>
+                  </p:par>
+                </p:childTnLst>
+              </p:cTn>
+              <p:prevCondLst>
+                <p:cond evt="onPrev" delay="0">
+                  <p:tgtEl>
+                    <p:sldTgt/>
+                  </p:tgtEl>
+                </p:cond>
+              </p:prevCondLst>
+              <p:nextCondLst>
+                <p:cond evt="onNext" delay="0">
+                  <p:tgtEl>
+                    <p:sldTgt/>
+                  </p:tgtEl>
+                </p:cond>
+              </p:nextCondLst>
+            </p:seq>
+          </p:childTnLst>
+        </p:cTn>
+      </p:par>
+    </p:tnLst>
+  </p:timing>
+</p:sld>
+</file>
+
+<file path=ppt/slides/slide14.xml><?xml version="1.0" encoding="utf-8"?>
+<p:sld xmlns:a="http://schemas.openxmlformats.org/drawingml/2006/main" xmlns:r="http://schemas.openxmlformats.org/officeDocument/2006/relationships" xmlns:p="http://schemas.openxmlformats.org/presentationml/2006/main">
+  <p:cSld>
+    <p:spTree>
+      <p:nvGrpSpPr>
+        <p:cNvPr id="1" name=""/>
+        <p:cNvGrpSpPr/>
+        <p:nvPr/>
+      </p:nvGrpSpPr>
+      <p:grpSpPr>
+        <a:xfrm>
+          <a:off x="0" y="0"/>
+          <a:ext cx="0" cy="0"/>
+          <a:chOff x="0" y="0"/>
+          <a:chExt cx="0" cy="0"/>
+        </a:xfrm>
+      </p:grpSpPr>
+      <p:sp>
+        <p:nvSpPr>
+          <p:cNvPr id="2" name="Titel 1">
+            <a:extLst>
+              <a:ext uri="{FF2B5EF4-FFF2-40B4-BE49-F238E27FC236}">
+                <a16:creationId xmlns:a16="http://schemas.microsoft.com/office/drawing/2014/main" id="{BC8A8F7D-FC0B-D561-A463-AF6BF113EB91}"/>
+              </a:ext>
+            </a:extLst>
+          </p:cNvPr>
+          <p:cNvSpPr>
+            <a:spLocks noGrp="1"/>
+          </p:cNvSpPr>
+          <p:nvPr>
+            <p:ph type="title"/>
+          </p:nvPr>
+        </p:nvSpPr>
+        <p:spPr/>
+        <p:txBody>
+          <a:bodyPr/>
+          <a:lstStyle/>
+          <a:p>
+            <a:r>
+              <a:rPr lang="en-US" dirty="0"/>
+              <a:t>Grounded Action Transformation</a:t>
+            </a:r>
+          </a:p>
+        </p:txBody>
+      </p:sp>
+      <p:sp>
+        <p:nvSpPr>
+          <p:cNvPr id="4" name="Fußzeilenplatzhalter 3">
+            <a:extLst>
+              <a:ext uri="{FF2B5EF4-FFF2-40B4-BE49-F238E27FC236}">
+                <a16:creationId xmlns:a16="http://schemas.microsoft.com/office/drawing/2014/main" id="{83A96335-4343-079B-9BDF-9379F4494F3D}"/>
+              </a:ext>
+            </a:extLst>
+          </p:cNvPr>
+          <p:cNvSpPr>
+            <a:spLocks noGrp="1"/>
+          </p:cNvSpPr>
+          <p:nvPr>
+            <p:ph type="ftr" sz="quarter" idx="11"/>
+          </p:nvPr>
+        </p:nvSpPr>
+        <p:spPr/>
+        <p:txBody>
+          <a:bodyPr/>
+          <a:lstStyle/>
+          <a:p>
+            <a:r>
+              <a:rPr lang="de-DE"/>
+              <a:t>Autor</a:t>
+            </a:r>
+            <a:endParaRPr lang="de-DE" dirty="0"/>
+          </a:p>
+        </p:txBody>
+      </p:sp>
+      <p:sp>
+        <p:nvSpPr>
+          <p:cNvPr id="5" name="Foliennummernplatzhalter 4">
+            <a:extLst>
+              <a:ext uri="{FF2B5EF4-FFF2-40B4-BE49-F238E27FC236}">
+                <a16:creationId xmlns:a16="http://schemas.microsoft.com/office/drawing/2014/main" id="{C2273A34-9CF5-1300-4CDB-E11A214961EE}"/>
+              </a:ext>
+            </a:extLst>
+          </p:cNvPr>
+          <p:cNvSpPr>
+            <a:spLocks noGrp="1"/>
+          </p:cNvSpPr>
+          <p:nvPr>
+            <p:ph type="sldNum" sz="quarter" idx="12"/>
+          </p:nvPr>
+        </p:nvSpPr>
+        <p:spPr/>
+        <p:txBody>
+          <a:bodyPr/>
+          <a:lstStyle/>
+          <a:p>
+            <a:fld id="{1B101894-CD26-4755-B2AE-6750C1357069}" type="slidenum">
+              <a:rPr lang="de-DE" smtClean="0"/>
+              <a:t>13</a:t>
+            </a:fld>
+            <a:endParaRPr lang="de-DE" dirty="0"/>
+          </a:p>
+        </p:txBody>
+      </p:sp>
+      <p:sp>
+        <p:nvSpPr>
+          <p:cNvPr id="6" name="Datumsplatzhalter 5">
+            <a:extLst>
+              <a:ext uri="{FF2B5EF4-FFF2-40B4-BE49-F238E27FC236}">
+                <a16:creationId xmlns:a16="http://schemas.microsoft.com/office/drawing/2014/main" id="{CED2DE80-C20A-D6D5-D71D-E6296E693302}"/>
+              </a:ext>
+            </a:extLst>
+          </p:cNvPr>
+          <p:cNvSpPr>
+            <a:spLocks noGrp="1"/>
+          </p:cNvSpPr>
+          <p:nvPr>
+            <p:ph type="dt" sz="half" idx="2"/>
+          </p:nvPr>
+        </p:nvSpPr>
+        <p:spPr/>
+        <p:txBody>
+          <a:bodyPr/>
+          <a:lstStyle/>
+          <a:p>
+            <a:r>
+              <a:rPr lang="de-DE"/>
+              <a:t>Datum</a:t>
+            </a:r>
+            <a:endParaRPr lang="de-DE" dirty="0"/>
+          </a:p>
+        </p:txBody>
+      </p:sp>
+    </p:spTree>
+    <p:extLst>
+      <p:ext uri="{BB962C8B-B14F-4D97-AF65-F5344CB8AC3E}">
+        <p14:creationId xmlns:p14="http://schemas.microsoft.com/office/powerpoint/2010/main" val="2956996860"/>
+      </p:ext>
+    </p:extLst>
+  </p:cSld>
+  <p:clrMapOvr>
+    <a:masterClrMapping/>
+  </p:clrMapOvr>
+</p:sld>
+</file>
+
+<file path=ppt/slides/slide15.xml><?xml version="1.0" encoding="utf-8"?>
+<p:sld xmlns:a="http://schemas.openxmlformats.org/drawingml/2006/main" xmlns:r="http://schemas.openxmlformats.org/officeDocument/2006/relationships" xmlns:p="http://schemas.openxmlformats.org/presentationml/2006/main">
+  <p:cSld>
+    <p:spTree>
+      <p:nvGrpSpPr>
+        <p:cNvPr id="1" name=""/>
+        <p:cNvGrpSpPr/>
+        <p:nvPr/>
+      </p:nvGrpSpPr>
+      <p:grpSpPr>
+        <a:xfrm>
+          <a:off x="0" y="0"/>
+          <a:ext cx="0" cy="0"/>
+          <a:chOff x="0" y="0"/>
+          <a:chExt cx="0" cy="0"/>
+        </a:xfrm>
+      </p:grpSpPr>
+      <p:sp>
+        <p:nvSpPr>
           <p:cNvPr id="2" name="Titel 1"/>
           <p:cNvSpPr>
             <a:spLocks noGrp="1"/>
@@ -10214,7 +11349,7 @@
           <a:p>
             <a:fld id="{7E3D4A0C-D92E-4AC7-AF4B-43DEE33FF7DB}" type="slidenum">
               <a:rPr lang="en-US" noProof="0" smtClean="0"/>
-              <a:t>11</a:t>
+              <a:t>14</a:t>
             </a:fld>
             <a:endParaRPr lang="en-US" noProof="0" dirty="0"/>
           </a:p>
@@ -14751,7 +15886,7 @@
 </p:sld>
 </file>
 
-<file path=ppt/slides/slide13.xml><?xml version="1.0" encoding="utf-8"?>
+<file path=ppt/slides/slide16.xml><?xml version="1.0" encoding="utf-8"?>
 <p:sld xmlns:a="http://schemas.openxmlformats.org/drawingml/2006/main" xmlns:r="http://schemas.openxmlformats.org/officeDocument/2006/relationships" xmlns:p="http://schemas.openxmlformats.org/presentationml/2006/main">
   <p:cSld>
     <p:spTree>
@@ -14845,7 +15980,7 @@
           <a:p>
             <a:fld id="{7E3D4A0C-D92E-4AC7-AF4B-43DEE33FF7DB}" type="slidenum">
               <a:rPr lang="en-US" noProof="0" smtClean="0"/>
-              <a:t>12</a:t>
+              <a:t>15</a:t>
             </a:fld>
             <a:endParaRPr lang="en-US" noProof="0" dirty="0"/>
           </a:p>
@@ -16397,7 +17532,7 @@
 </p:sld>
 </file>
 
-<file path=ppt/slides/slide14.xml><?xml version="1.0" encoding="utf-8"?>
+<file path=ppt/slides/slide17.xml><?xml version="1.0" encoding="utf-8"?>
 <p:sld xmlns:a="http://schemas.openxmlformats.org/drawingml/2006/main" xmlns:r="http://schemas.openxmlformats.org/officeDocument/2006/relationships" xmlns:p="http://schemas.openxmlformats.org/presentationml/2006/main">
   <p:cSld>
     <p:spTree>
@@ -16508,7 +17643,7 @@
           <a:p>
             <a:fld id="{7E3D4A0C-D92E-4AC7-AF4B-43DEE33FF7DB}" type="slidenum">
               <a:rPr lang="en-US" noProof="0" smtClean="0"/>
-              <a:t>13</a:t>
+              <a:t>16</a:t>
             </a:fld>
             <a:endParaRPr lang="en-US" noProof="0" dirty="0"/>
           </a:p>
@@ -25986,7 +27121,7 @@
 </p:sld>
 </file>
 
-<file path=ppt/slides/slide15.xml><?xml version="1.0" encoding="utf-8"?>
+<file path=ppt/slides/slide18.xml><?xml version="1.0" encoding="utf-8"?>
 <p:sld xmlns:a="http://schemas.openxmlformats.org/drawingml/2006/main" xmlns:r="http://schemas.openxmlformats.org/officeDocument/2006/relationships" xmlns:p="http://schemas.openxmlformats.org/presentationml/2006/main">
   <p:cSld>
     <p:spTree>
@@ -26043,7 +27178,7 @@
             <a:fld id="{9AD998C7-1095-4F79-96A7-1CADFC383356}" type="slidenum">
               <a:rPr lang="en-US" noProof="0" smtClean="0"/>
               <a:pPr/>
-              <a:t>14</a:t>
+              <a:t>17</a:t>
             </a:fld>
             <a:endParaRPr lang="en-US" noProof="0" dirty="0"/>
           </a:p>
@@ -27388,8 +28523,8 @@
           </a:p>
         </p:txBody>
       </p:sp>
-      <mc:AlternateContent xmlns:mc="http://schemas.openxmlformats.org/markup-compatibility/2006">
-        <mc:Choice xmlns:a14="http://schemas.microsoft.com/office/drawing/2010/main" Requires="a14">
+      <mc:AlternateContent xmlns:mc="http://schemas.openxmlformats.org/markup-compatibility/2006" xmlns:a14="http://schemas.microsoft.com/office/drawing/2010/main">
+        <mc:Choice Requires="a14">
           <p:sp>
             <p:nvSpPr>
               <p:cNvPr id="9" name="Textfeld 8">
@@ -27418,6 +28553,7 @@
               </a:bodyPr>
               <a:lstStyle/>
               <a:p>
+                <a:pPr/>
                 <a14:m>
                   <m:oMathPara xmlns:m="http://schemas.openxmlformats.org/officeDocument/2006/math">
                     <m:oMathParaPr>
@@ -27582,7 +28718,7 @@
             </p:txBody>
           </p:sp>
         </mc:Choice>
-        <mc:Fallback>
+        <mc:Fallback xmlns="">
           <p:sp>
             <p:nvSpPr>
               <p:cNvPr id="9" name="Textfeld 8">
@@ -33172,18 +34308,18 @@
 </file>
 
 <file path=customXml/item1.xml><?xml version="1.0" encoding="utf-8"?>
-<p:properties xmlns:p="http://schemas.microsoft.com/office/2006/metadata/properties" xmlns:xsi="http://www.w3.org/2001/XMLSchema-instance" xmlns:pc="http://schemas.microsoft.com/office/infopath/2007/PartnerControls">
-  <documentManagement/>
-</p:properties>
-</file>
-
-<file path=customXml/item2.xml><?xml version="1.0" encoding="utf-8"?>
 <?mso-contentType ?>
 <FormTemplates xmlns="http://schemas.microsoft.com/sharepoint/v3/contenttype/forms">
   <Display>DocumentLibraryForm</Display>
   <Edit>DocumentLibraryForm</Edit>
   <New>DocumentLibraryForm</New>
 </FormTemplates>
+</file>
+
+<file path=customXml/item2.xml><?xml version="1.0" encoding="utf-8"?>
+<p:properties xmlns:p="http://schemas.microsoft.com/office/2006/metadata/properties" xmlns:xsi="http://www.w3.org/2001/XMLSchema-instance" xmlns:pc="http://schemas.microsoft.com/office/infopath/2007/PartnerControls">
+  <documentManagement/>
+</p:properties>
 </file>
 
 <file path=customXml/item3.xml><?xml version="1.0" encoding="utf-8"?>
@@ -33301,18 +34437,18 @@
 </file>
 
 <file path=customXml/itemProps1.xml><?xml version="1.0" encoding="utf-8"?>
-<ds:datastoreItem xmlns:ds="http://schemas.openxmlformats.org/officeDocument/2006/customXml" ds:itemID="{B1B02550-3BA6-4C01-8A3B-B7C96DD095D6}">
+<ds:datastoreItem xmlns:ds="http://schemas.openxmlformats.org/officeDocument/2006/customXml" ds:itemID="{64582D86-E7F1-4FED-89C6-C10DBB604F43}">
   <ds:schemaRefs>
-    <ds:schemaRef ds:uri="http://schemas.microsoft.com/office/2006/metadata/properties"/>
-    <ds:schemaRef ds:uri="http://schemas.microsoft.com/office/infopath/2007/PartnerControls"/>
+    <ds:schemaRef ds:uri="http://schemas.microsoft.com/sharepoint/v3/contenttype/forms"/>
   </ds:schemaRefs>
 </ds:datastoreItem>
 </file>
 
 <file path=customXml/itemProps2.xml><?xml version="1.0" encoding="utf-8"?>
-<ds:datastoreItem xmlns:ds="http://schemas.openxmlformats.org/officeDocument/2006/customXml" ds:itemID="{64582D86-E7F1-4FED-89C6-C10DBB604F43}">
+<ds:datastoreItem xmlns:ds="http://schemas.openxmlformats.org/officeDocument/2006/customXml" ds:itemID="{B1B02550-3BA6-4C01-8A3B-B7C96DD095D6}">
   <ds:schemaRefs>
-    <ds:schemaRef ds:uri="http://schemas.microsoft.com/sharepoint/v3/contenttype/forms"/>
+    <ds:schemaRef ds:uri="http://schemas.microsoft.com/office/2006/metadata/properties"/>
+    <ds:schemaRef ds:uri="http://schemas.microsoft.com/office/infopath/2007/PartnerControls"/>
   </ds:schemaRefs>
 </ds:datastoreItem>
 </file>
